--- a/Project Work/03 - Presentation/Digital Disparity - Draft presentation.pptx
+++ b/Project Work/03 - Presentation/Digital Disparity - Draft presentation.pptx
@@ -7019,7 +7019,7 @@
           <a:p>
             <a:fld id="{D762E32F-5F27-499B-9DCA-6C60135BCA69}" type="datetimeFigureOut">
               <a:rPr lang="en-US" smtClean="0"/>
-              <a:t>6/12/2020</a:t>
+              <a:t>8/19/2021</a:t>
             </a:fld>
             <a:endParaRPr lang="en-US"/>
           </a:p>
@@ -7217,7 +7217,7 @@
           <a:p>
             <a:fld id="{D762E32F-5F27-499B-9DCA-6C60135BCA69}" type="datetimeFigureOut">
               <a:rPr lang="en-US" smtClean="0"/>
-              <a:t>6/12/2020</a:t>
+              <a:t>8/19/2021</a:t>
             </a:fld>
             <a:endParaRPr lang="en-US"/>
           </a:p>
@@ -7425,7 +7425,7 @@
           <a:p>
             <a:fld id="{D762E32F-5F27-499B-9DCA-6C60135BCA69}" type="datetimeFigureOut">
               <a:rPr lang="en-US" smtClean="0"/>
-              <a:t>6/12/2020</a:t>
+              <a:t>8/19/2021</a:t>
             </a:fld>
             <a:endParaRPr lang="en-US"/>
           </a:p>
@@ -7654,7 +7654,7 @@
           <a:p>
             <a:fld id="{02AC24A9-CCB6-4F8D-B8DB-C2F3692CFA5A}" type="datetimeFigureOut">
               <a:rPr lang="en-US" smtClean="0"/>
-              <a:t>6/12/2020</a:t>
+              <a:t>8/19/2021</a:t>
             </a:fld>
             <a:endParaRPr lang="en-US" dirty="0"/>
           </a:p>
@@ -8295,7 +8295,7 @@
           <a:p>
             <a:fld id="{02AC24A9-CCB6-4F8D-B8DB-C2F3692CFA5A}" type="datetimeFigureOut">
               <a:rPr lang="en-US" smtClean="0"/>
-              <a:t>6/12/2020</a:t>
+              <a:t>8/19/2021</a:t>
             </a:fld>
             <a:endParaRPr lang="en-US"/>
           </a:p>
@@ -8749,7 +8749,7 @@
           <a:p>
             <a:fld id="{02AC24A9-CCB6-4F8D-B8DB-C2F3692CFA5A}" type="datetimeFigureOut">
               <a:rPr lang="en-US" smtClean="0"/>
-              <a:t>6/12/2020</a:t>
+              <a:t>8/19/2021</a:t>
             </a:fld>
             <a:endParaRPr lang="en-US"/>
           </a:p>
@@ -9281,7 +9281,7 @@
           <a:p>
             <a:fld id="{02AC24A9-CCB6-4F8D-B8DB-C2F3692CFA5A}" type="datetimeFigureOut">
               <a:rPr lang="en-US" smtClean="0"/>
-              <a:t>6/12/2020</a:t>
+              <a:t>8/19/2021</a:t>
             </a:fld>
             <a:endParaRPr lang="en-US"/>
           </a:p>
@@ -9980,7 +9980,7 @@
           <a:p>
             <a:fld id="{02AC24A9-CCB6-4F8D-B8DB-C2F3692CFA5A}" type="datetimeFigureOut">
               <a:rPr lang="en-US" smtClean="0"/>
-              <a:t>6/12/2020</a:t>
+              <a:t>8/19/2021</a:t>
             </a:fld>
             <a:endParaRPr lang="en-US"/>
           </a:p>
@@ -10309,7 +10309,7 @@
           <a:p>
             <a:fld id="{02AC24A9-CCB6-4F8D-B8DB-C2F3692CFA5A}" type="datetimeFigureOut">
               <a:rPr lang="en-US" smtClean="0"/>
-              <a:t>6/12/2020</a:t>
+              <a:t>8/19/2021</a:t>
             </a:fld>
             <a:endParaRPr lang="en-US"/>
           </a:p>
@@ -10422,7 +10422,7 @@
           <a:p>
             <a:fld id="{02AC24A9-CCB6-4F8D-B8DB-C2F3692CFA5A}" type="datetimeFigureOut">
               <a:rPr lang="en-US" smtClean="0"/>
-              <a:t>6/12/2020</a:t>
+              <a:t>8/19/2021</a:t>
             </a:fld>
             <a:endParaRPr lang="en-US"/>
           </a:p>
@@ -10917,7 +10917,7 @@
           <a:p>
             <a:fld id="{02AC24A9-CCB6-4F8D-B8DB-C2F3692CFA5A}" type="datetimeFigureOut">
               <a:rPr lang="en-US" smtClean="0"/>
-              <a:t>6/12/2020</a:t>
+              <a:t>8/19/2021</a:t>
             </a:fld>
             <a:endParaRPr lang="en-US" dirty="0"/>
           </a:p>
@@ -11115,7 +11115,7 @@
           <a:p>
             <a:fld id="{D762E32F-5F27-499B-9DCA-6C60135BCA69}" type="datetimeFigureOut">
               <a:rPr lang="en-US" smtClean="0"/>
-              <a:t>6/12/2020</a:t>
+              <a:t>8/19/2021</a:t>
             </a:fld>
             <a:endParaRPr lang="en-US"/>
           </a:p>
@@ -11592,7 +11592,7 @@
           <a:p>
             <a:fld id="{02AC24A9-CCB6-4F8D-B8DB-C2F3692CFA5A}" type="datetimeFigureOut">
               <a:rPr lang="en-US" smtClean="0"/>
-              <a:t>6/12/2020</a:t>
+              <a:t>8/19/2021</a:t>
             </a:fld>
             <a:endParaRPr lang="en-US"/>
           </a:p>
@@ -11791,7 +11791,7 @@
           <a:p>
             <a:fld id="{02AC24A9-CCB6-4F8D-B8DB-C2F3692CFA5A}" type="datetimeFigureOut">
               <a:rPr lang="en-US" smtClean="0"/>
-              <a:t>6/12/2020</a:t>
+              <a:t>8/19/2021</a:t>
             </a:fld>
             <a:endParaRPr lang="en-US"/>
           </a:p>
@@ -12000,7 +12000,7 @@
           <a:p>
             <a:fld id="{02AC24A9-CCB6-4F8D-B8DB-C2F3692CFA5A}" type="datetimeFigureOut">
               <a:rPr lang="en-US" smtClean="0"/>
-              <a:t>6/12/2020</a:t>
+              <a:t>8/19/2021</a:t>
             </a:fld>
             <a:endParaRPr lang="en-US"/>
           </a:p>
@@ -12275,7 +12275,7 @@
           <a:p>
             <a:fld id="{D762E32F-5F27-499B-9DCA-6C60135BCA69}" type="datetimeFigureOut">
               <a:rPr lang="en-US" smtClean="0"/>
-              <a:t>6/12/2020</a:t>
+              <a:t>8/19/2021</a:t>
             </a:fld>
             <a:endParaRPr lang="en-US"/>
           </a:p>
@@ -12540,7 +12540,7 @@
           <a:p>
             <a:fld id="{D762E32F-5F27-499B-9DCA-6C60135BCA69}" type="datetimeFigureOut">
               <a:rPr lang="en-US" smtClean="0"/>
-              <a:t>6/12/2020</a:t>
+              <a:t>8/19/2021</a:t>
             </a:fld>
             <a:endParaRPr lang="en-US"/>
           </a:p>
@@ -12952,7 +12952,7 @@
           <a:p>
             <a:fld id="{D762E32F-5F27-499B-9DCA-6C60135BCA69}" type="datetimeFigureOut">
               <a:rPr lang="en-US" smtClean="0"/>
-              <a:t>6/12/2020</a:t>
+              <a:t>8/19/2021</a:t>
             </a:fld>
             <a:endParaRPr lang="en-US"/>
           </a:p>
@@ -13093,7 +13093,7 @@
           <a:p>
             <a:fld id="{D762E32F-5F27-499B-9DCA-6C60135BCA69}" type="datetimeFigureOut">
               <a:rPr lang="en-US" smtClean="0"/>
-              <a:t>6/12/2020</a:t>
+              <a:t>8/19/2021</a:t>
             </a:fld>
             <a:endParaRPr lang="en-US"/>
           </a:p>
@@ -13206,7 +13206,7 @@
           <a:p>
             <a:fld id="{D762E32F-5F27-499B-9DCA-6C60135BCA69}" type="datetimeFigureOut">
               <a:rPr lang="en-US" smtClean="0"/>
-              <a:t>6/12/2020</a:t>
+              <a:t>8/19/2021</a:t>
             </a:fld>
             <a:endParaRPr lang="en-US"/>
           </a:p>
@@ -13517,7 +13517,7 @@
           <a:p>
             <a:fld id="{D762E32F-5F27-499B-9DCA-6C60135BCA69}" type="datetimeFigureOut">
               <a:rPr lang="en-US" smtClean="0"/>
-              <a:t>6/12/2020</a:t>
+              <a:t>8/19/2021</a:t>
             </a:fld>
             <a:endParaRPr lang="en-US"/>
           </a:p>
@@ -13805,7 +13805,7 @@
           <a:p>
             <a:fld id="{D762E32F-5F27-499B-9DCA-6C60135BCA69}" type="datetimeFigureOut">
               <a:rPr lang="en-US" smtClean="0"/>
-              <a:t>6/12/2020</a:t>
+              <a:t>8/19/2021</a:t>
             </a:fld>
             <a:endParaRPr lang="en-US"/>
           </a:p>
@@ -14046,7 +14046,7 @@
           <a:p>
             <a:fld id="{D762E32F-5F27-499B-9DCA-6C60135BCA69}" type="datetimeFigureOut">
               <a:rPr lang="en-US" smtClean="0"/>
-              <a:t>6/12/2020</a:t>
+              <a:t>8/19/2021</a:t>
             </a:fld>
             <a:endParaRPr lang="en-US"/>
           </a:p>
@@ -14616,7 +14616,7 @@
           <a:p>
             <a:fld id="{02AC24A9-CCB6-4F8D-B8DB-C2F3692CFA5A}" type="datetimeFigureOut">
               <a:rPr lang="en-US" smtClean="0"/>
-              <a:t>6/12/2020</a:t>
+              <a:t>8/19/2021</a:t>
             </a:fld>
             <a:endParaRPr lang="en-US"/>
           </a:p>
